--- a/Customer_Churn_Prediction_Report.pptx
+++ b/Customer_Churn_Prediction_Report.pptx
@@ -12,6 +12,8 @@
     <p:sldId id="260" r:id="rId6"/>
     <p:sldId id="261" r:id="rId7"/>
     <p:sldId id="262" r:id="rId8"/>
+    <p:sldId id="263" r:id="rId9"/>
+    <p:sldId id="264" r:id="rId10"/>
   </p:sldIdLst>
   <p:sldSz cx="9144000" cy="6858000" type="screen4x3"/>
   <p:notesSz cx="6858000" cy="9144000"/>
@@ -11639,6 +11641,993 @@
 </p:sld>
 </file>
 
+<file path=ppt/slides/slide8.xml><?xml version="1.0" encoding="utf-8"?>
+<p:sld xmlns:a="http://schemas.openxmlformats.org/drawingml/2006/main" xmlns:r="http://schemas.openxmlformats.org/officeDocument/2006/relationships" xmlns:p="http://schemas.openxmlformats.org/presentationml/2006/main">
+  <p:cSld>
+    <p:bg>
+      <p:bgPr>
+        <a:gradFill rotWithShape="1">
+          <a:gsLst>
+            <a:gs pos="0">
+              <a:schemeClr val="bg1">
+                <a:tint val="94000"/>
+                <a:satMod val="80000"/>
+                <a:lumMod val="106000"/>
+              </a:schemeClr>
+            </a:gs>
+            <a:gs pos="100000">
+              <a:schemeClr val="bg1">
+                <a:shade val="80000"/>
+              </a:schemeClr>
+            </a:gs>
+          </a:gsLst>
+          <a:path path="circle">
+            <a:fillToRect l="43000" r="43000" b="100000"/>
+          </a:path>
+        </a:gradFill>
+        <a:effectLst/>
+      </p:bgPr>
+    </p:bg>
+    <p:spTree>
+      <p:nvGrpSpPr>
+        <p:cNvPr id="1" name=""/>
+        <p:cNvGrpSpPr/>
+        <p:nvPr/>
+      </p:nvGrpSpPr>
+      <p:grpSpPr>
+        <a:xfrm>
+          <a:off x="0" y="0"/>
+          <a:ext cx="0" cy="0"/>
+          <a:chOff x="0" y="0"/>
+          <a:chExt cx="0" cy="0"/>
+        </a:xfrm>
+      </p:grpSpPr>
+      <p:sp useBgFill="1">
+        <p:nvSpPr>
+          <p:cNvPr id="8" name="Rectangle 7">
+            <a:extLst>
+              <a:ext uri="{FF2B5EF4-FFF2-40B4-BE49-F238E27FC236}">
+                <a16:creationId xmlns:a16="http://schemas.microsoft.com/office/drawing/2014/main" id="{54F891EB-ED45-44C3-95D6-FFB2EC07FA10}"/>
+              </a:ext>
+              <a:ext uri="{C183D7F6-B498-43B3-948B-1728B52AA6E4}">
+                <adec:decorative xmlns:adec="http://schemas.microsoft.com/office/drawing/2017/decorative" val="1"/>
+              </a:ext>
+            </a:extLst>
+          </p:cNvPr>
+          <p:cNvSpPr>
+            <a:spLocks noGrp="1" noRot="1" noChangeAspect="1" noMove="1" noResize="1" noEditPoints="1" noAdjustHandles="1" noChangeArrowheads="1" noChangeShapeType="1" noTextEdit="1"/>
+          </p:cNvSpPr>
+          <p:nvPr>
+            <p:extLst>
+              <p:ext uri="{386F3935-93C4-4BCD-93E2-E3B085C9AB24}">
+                <p16:designElem xmlns:p16="http://schemas.microsoft.com/office/powerpoint/2015/main" val="1"/>
+              </p:ext>
+            </p:extLst>
+          </p:nvPr>
+        </p:nvSpPr>
+        <p:spPr>
+          <a:xfrm>
+            <a:off x="227" y="0"/>
+            <a:ext cx="9143771" cy="6858000"/>
+          </a:xfrm>
+          <a:prstGeom prst="rect">
+            <a:avLst/>
+          </a:prstGeom>
+          <a:ln>
+            <a:noFill/>
+          </a:ln>
+        </p:spPr>
+        <p:style>
+          <a:lnRef idx="2">
+            <a:schemeClr val="accent1">
+              <a:shade val="50000"/>
+            </a:schemeClr>
+          </a:lnRef>
+          <a:fillRef idx="1">
+            <a:schemeClr val="accent1"/>
+          </a:fillRef>
+          <a:effectRef idx="0">
+            <a:schemeClr val="accent1"/>
+          </a:effectRef>
+          <a:fontRef idx="minor">
+            <a:schemeClr val="lt1"/>
+          </a:fontRef>
+        </p:style>
+        <p:txBody>
+          <a:bodyPr rtlCol="0" anchor="ctr"/>
+          <a:lstStyle/>
+          <a:p>
+            <a:pPr algn="ctr"/>
+            <a:endParaRPr lang="en-US"/>
+          </a:p>
+        </p:txBody>
+      </p:sp>
+      <p:sp>
+        <p:nvSpPr>
+          <p:cNvPr id="28" name="Rectangle 27">
+            <a:extLst>
+              <a:ext uri="{FF2B5EF4-FFF2-40B4-BE49-F238E27FC236}">
+                <a16:creationId xmlns:a16="http://schemas.microsoft.com/office/drawing/2014/main" id="{2EA385B8-7C85-4CE0-AE3A-00EB627B3443}"/>
+              </a:ext>
+              <a:ext uri="{C183D7F6-B498-43B3-948B-1728B52AA6E4}">
+                <adec:decorative xmlns:adec="http://schemas.microsoft.com/office/drawing/2017/decorative" val="1"/>
+              </a:ext>
+            </a:extLst>
+          </p:cNvPr>
+          <p:cNvSpPr>
+            <a:spLocks noGrp="1" noRot="1" noChangeAspect="1" noMove="1" noResize="1" noEditPoints="1" noAdjustHandles="1" noChangeArrowheads="1" noChangeShapeType="1" noTextEdit="1"/>
+          </p:cNvSpPr>
+          <p:nvPr>
+            <p:extLst>
+              <p:ext uri="{386F3935-93C4-4BCD-93E2-E3B085C9AB24}">
+                <p16:designElem xmlns:p16="http://schemas.microsoft.com/office/powerpoint/2015/main" val="1"/>
+              </p:ext>
+            </p:extLst>
+          </p:nvPr>
+        </p:nvSpPr>
+        <p:spPr>
+          <a:xfrm>
+            <a:off x="0" y="2019476"/>
+            <a:ext cx="9144000" cy="4105941"/>
+          </a:xfrm>
+          <a:prstGeom prst="rect">
+            <a:avLst/>
+          </a:prstGeom>
+          <a:gradFill flip="none" rotWithShape="1">
+            <a:gsLst>
+              <a:gs pos="0">
+                <a:schemeClr val="bg2">
+                  <a:alpha val="0"/>
+                </a:schemeClr>
+              </a:gs>
+              <a:gs pos="100000">
+                <a:schemeClr val="bg2"/>
+              </a:gs>
+            </a:gsLst>
+            <a:lin ang="5400000" scaled="0"/>
+            <a:tileRect/>
+          </a:gradFill>
+          <a:ln>
+            <a:noFill/>
+          </a:ln>
+        </p:spPr>
+        <p:style>
+          <a:lnRef idx="2">
+            <a:schemeClr val="accent1">
+              <a:shade val="50000"/>
+            </a:schemeClr>
+          </a:lnRef>
+          <a:fillRef idx="1">
+            <a:schemeClr val="accent1"/>
+          </a:fillRef>
+          <a:effectRef idx="0">
+            <a:schemeClr val="accent1"/>
+          </a:effectRef>
+          <a:fontRef idx="minor">
+            <a:schemeClr val="lt1"/>
+          </a:fontRef>
+        </p:style>
+        <p:txBody>
+          <a:bodyPr rtlCol="0" anchor="ctr"/>
+          <a:lstStyle/>
+          <a:p>
+            <a:pPr lvl="0" algn="ctr"/>
+            <a:endParaRPr lang="en-US"/>
+          </a:p>
+        </p:txBody>
+      </p:sp>
+      <p:sp>
+        <p:nvSpPr>
+          <p:cNvPr id="2" name="Title 1">
+            <a:extLst>
+              <a:ext uri="{FF2B5EF4-FFF2-40B4-BE49-F238E27FC236}">
+                <a16:creationId xmlns:a16="http://schemas.microsoft.com/office/drawing/2014/main" id="{41046335-B5EC-A0EB-1C84-59CBAF5E3BCB}"/>
+              </a:ext>
+            </a:extLst>
+          </p:cNvPr>
+          <p:cNvSpPr>
+            <a:spLocks noGrp="1"/>
+          </p:cNvSpPr>
+          <p:nvPr>
+            <p:ph type="title"/>
+          </p:nvPr>
+        </p:nvSpPr>
+        <p:spPr>
+          <a:xfrm>
+            <a:off x="670142" y="804519"/>
+            <a:ext cx="2370376" cy="4431360"/>
+          </a:xfrm>
+        </p:spPr>
+        <p:txBody>
+          <a:bodyPr anchor="ctr">
+            <a:normAutofit/>
+          </a:bodyPr>
+          <a:lstStyle/>
+          <a:p>
+            <a:r>
+              <a:rPr lang="en-US" sz="2700"/>
+              <a:t>RESOURCES:</a:t>
+            </a:r>
+            <a:endParaRPr lang="en-PK" sz="2700"/>
+          </a:p>
+        </p:txBody>
+      </p:sp>
+      <p:cxnSp>
+        <p:nvCxnSpPr>
+          <p:cNvPr id="29" name="Straight Connector 28">
+            <a:extLst>
+              <a:ext uri="{FF2B5EF4-FFF2-40B4-BE49-F238E27FC236}">
+                <a16:creationId xmlns:a16="http://schemas.microsoft.com/office/drawing/2014/main" id="{19AF263B-E208-40DF-A182-5193478DCFA4}"/>
+              </a:ext>
+              <a:ext uri="{C183D7F6-B498-43B3-948B-1728B52AA6E4}">
+                <adec:decorative xmlns:adec="http://schemas.microsoft.com/office/drawing/2017/decorative" val="1"/>
+              </a:ext>
+            </a:extLst>
+          </p:cNvPr>
+          <p:cNvCxnSpPr>
+            <a:cxnSpLocks noGrp="1" noRot="1" noChangeAspect="1" noMove="1" noResize="1" noEditPoints="1" noAdjustHandles="1" noChangeArrowheads="1" noChangeShapeType="1"/>
+          </p:cNvCxnSpPr>
+          <p:nvPr>
+            <p:extLst>
+              <p:ext uri="{386F3935-93C4-4BCD-93E2-E3B085C9AB24}">
+                <p16:designElem xmlns:p16="http://schemas.microsoft.com/office/powerpoint/2015/main" val="1"/>
+              </p:ext>
+            </p:extLst>
+          </p:nvPr>
+        </p:nvCxnSpPr>
+        <p:spPr>
+          <a:xfrm>
+            <a:off x="3258867" y="962799"/>
+            <a:ext cx="0" cy="4114800"/>
+          </a:xfrm>
+          <a:prstGeom prst="line">
+            <a:avLst/>
+          </a:prstGeom>
+          <a:ln w="38100">
+            <a:solidFill>
+              <a:schemeClr val="accent1"/>
+            </a:solidFill>
+          </a:ln>
+        </p:spPr>
+        <p:style>
+          <a:lnRef idx="1">
+            <a:schemeClr val="accent1"/>
+          </a:lnRef>
+          <a:fillRef idx="0">
+            <a:schemeClr val="accent1"/>
+          </a:fillRef>
+          <a:effectRef idx="0">
+            <a:schemeClr val="accent1"/>
+          </a:effectRef>
+          <a:fontRef idx="minor">
+            <a:schemeClr val="tx1"/>
+          </a:fontRef>
+        </p:style>
+      </p:cxnSp>
+      <p:sp>
+        <p:nvSpPr>
+          <p:cNvPr id="3" name="Content Placeholder 2">
+            <a:extLst>
+              <a:ext uri="{FF2B5EF4-FFF2-40B4-BE49-F238E27FC236}">
+                <a16:creationId xmlns:a16="http://schemas.microsoft.com/office/drawing/2014/main" id="{83560ADB-89B4-2B9E-7DF6-68FBC257BACA}"/>
+              </a:ext>
+            </a:extLst>
+          </p:cNvPr>
+          <p:cNvSpPr>
+            <a:spLocks noGrp="1"/>
+          </p:cNvSpPr>
+          <p:nvPr>
+            <p:ph idx="1"/>
+          </p:nvPr>
+        </p:nvSpPr>
+        <p:spPr>
+          <a:xfrm>
+            <a:off x="3478397" y="804520"/>
+            <a:ext cx="4576919" cy="4431359"/>
+          </a:xfrm>
+        </p:spPr>
+        <p:txBody>
+          <a:bodyPr anchor="ctr">
+            <a:normAutofit/>
+          </a:bodyPr>
+          <a:lstStyle/>
+          <a:p>
+            <a:r>
+              <a:rPr lang="en-US">
+                <a:hlinkClick r:id="rId2"/>
+              </a:rPr>
+              <a:t>https://github.com/Hyder-Ali/telecom_churn_prediction</a:t>
+            </a:r>
+            <a:endParaRPr lang="en-PK" dirty="0"/>
+          </a:p>
+        </p:txBody>
+      </p:sp>
+      <p:pic>
+        <p:nvPicPr>
+          <p:cNvPr id="30" name="Picture 29">
+            <a:extLst>
+              <a:ext uri="{FF2B5EF4-FFF2-40B4-BE49-F238E27FC236}">
+                <a16:creationId xmlns:a16="http://schemas.microsoft.com/office/drawing/2014/main" id="{7557D95A-0A72-41F9-844C-544C199B4504}"/>
+              </a:ext>
+              <a:ext uri="{C183D7F6-B498-43B3-948B-1728B52AA6E4}">
+                <adec:decorative xmlns:adec="http://schemas.microsoft.com/office/drawing/2017/decorative" val="1"/>
+              </a:ext>
+            </a:extLst>
+          </p:cNvPr>
+          <p:cNvPicPr>
+            <a:picLocks noGrp="1" noRot="1" noChangeAspect="1" noMove="1" noResize="1" noEditPoints="1" noAdjustHandles="1" noChangeArrowheads="1" noChangeShapeType="1" noCrop="1"/>
+          </p:cNvPicPr>
+          <p:nvPr>
+            <p:extLst>
+              <p:ext uri="{386F3935-93C4-4BCD-93E2-E3B085C9AB24}">
+                <p16:designElem xmlns:p16="http://schemas.microsoft.com/office/powerpoint/2015/main" val="1"/>
+              </p:ext>
+            </p:extLst>
+          </p:nvPr>
+        </p:nvPicPr>
+        <p:blipFill rotWithShape="1">
+          <a:blip r:embed="rId3">
+            <a:extLst>
+              <a:ext uri="{28A0092B-C50C-407E-A947-70E740481C1C}">
+                <a14:useLocalDpi xmlns:a14="http://schemas.microsoft.com/office/drawing/2010/main" val="0"/>
+              </a:ext>
+            </a:extLst>
+          </a:blip>
+          <a:srcRect t="1538" b="-1538"/>
+          <a:stretch/>
+        </p:blipFill>
+        <p:spPr>
+          <a:xfrm>
+            <a:off x="0" y="6129338"/>
+            <a:ext cx="9144000" cy="742950"/>
+          </a:xfrm>
+          <a:prstGeom prst="rect">
+            <a:avLst/>
+          </a:prstGeom>
+        </p:spPr>
+      </p:pic>
+    </p:spTree>
+    <p:extLst>
+      <p:ext uri="{BB962C8B-B14F-4D97-AF65-F5344CB8AC3E}">
+        <p14:creationId xmlns:p14="http://schemas.microsoft.com/office/powerpoint/2010/main" val="283039123"/>
+      </p:ext>
+    </p:extLst>
+  </p:cSld>
+  <p:clrMapOvr>
+    <a:masterClrMapping/>
+  </p:clrMapOvr>
+  <p:timing>
+    <p:tnLst>
+      <p:par>
+        <p:cTn id="1" dur="indefinite" restart="never" nodeType="tmRoot">
+          <p:childTnLst>
+            <p:seq concurrent="1" nextAc="seek">
+              <p:cTn id="2" dur="indefinite" nodeType="mainSeq">
+                <p:childTnLst>
+                  <p:par>
+                    <p:cTn id="3" fill="hold">
+                      <p:stCondLst>
+                        <p:cond delay="indefinite"/>
+                        <p:cond evt="onBegin" delay="0">
+                          <p:tn val="2"/>
+                        </p:cond>
+                      </p:stCondLst>
+                      <p:childTnLst>
+                        <p:par>
+                          <p:cTn id="4" fill="hold">
+                            <p:stCondLst>
+                              <p:cond delay="0"/>
+                            </p:stCondLst>
+                            <p:childTnLst>
+                              <p:par>
+                                <p:cTn id="5" presetID="10" presetClass="entr" presetSubtype="0" fill="hold" grpId="0" nodeType="withEffect">
+                                  <p:stCondLst>
+                                    <p:cond delay="500"/>
+                                  </p:stCondLst>
+                                  <p:iterate>
+                                    <p:tmPct val="10000"/>
+                                  </p:iterate>
+                                  <p:childTnLst>
+                                    <p:set>
+                                      <p:cBhvr>
+                                        <p:cTn id="6" dur="1" fill="hold">
+                                          <p:stCondLst>
+                                            <p:cond delay="0"/>
+                                          </p:stCondLst>
+                                        </p:cTn>
+                                        <p:tgtEl>
+                                          <p:spTgt spid="2"/>
+                                        </p:tgtEl>
+                                        <p:attrNameLst>
+                                          <p:attrName>style.visibility</p:attrName>
+                                        </p:attrNameLst>
+                                      </p:cBhvr>
+                                      <p:to>
+                                        <p:strVal val="visible"/>
+                                      </p:to>
+                                    </p:set>
+                                    <p:animEffect transition="in" filter="fade">
+                                      <p:cBhvr>
+                                        <p:cTn id="7" dur="700"/>
+                                        <p:tgtEl>
+                                          <p:spTgt spid="2"/>
+                                        </p:tgtEl>
+                                      </p:cBhvr>
+                                    </p:animEffect>
+                                  </p:childTnLst>
+                                </p:cTn>
+                              </p:par>
+                            </p:childTnLst>
+                          </p:cTn>
+                        </p:par>
+                      </p:childTnLst>
+                    </p:cTn>
+                  </p:par>
+                </p:childTnLst>
+              </p:cTn>
+              <p:prevCondLst>
+                <p:cond evt="onPrev" delay="0">
+                  <p:tgtEl>
+                    <p:sldTgt/>
+                  </p:tgtEl>
+                </p:cond>
+              </p:prevCondLst>
+              <p:nextCondLst>
+                <p:cond evt="onNext" delay="0">
+                  <p:tgtEl>
+                    <p:sldTgt/>
+                  </p:tgtEl>
+                </p:cond>
+              </p:nextCondLst>
+            </p:seq>
+          </p:childTnLst>
+        </p:cTn>
+      </p:par>
+    </p:tnLst>
+    <p:bldLst>
+      <p:bldP spid="2" grpId="0"/>
+    </p:bldLst>
+  </p:timing>
+</p:sld>
+</file>
+
+<file path=ppt/slides/slide9.xml><?xml version="1.0" encoding="utf-8"?>
+<p:sld xmlns:a="http://schemas.openxmlformats.org/drawingml/2006/main" xmlns:r="http://schemas.openxmlformats.org/officeDocument/2006/relationships" xmlns:p="http://schemas.openxmlformats.org/presentationml/2006/main">
+  <p:cSld>
+    <p:bg>
+      <p:bgPr>
+        <a:gradFill rotWithShape="1">
+          <a:gsLst>
+            <a:gs pos="0">
+              <a:schemeClr val="bg1">
+                <a:tint val="94000"/>
+                <a:satMod val="80000"/>
+                <a:lumMod val="106000"/>
+              </a:schemeClr>
+            </a:gs>
+            <a:gs pos="100000">
+              <a:schemeClr val="bg1">
+                <a:shade val="80000"/>
+              </a:schemeClr>
+            </a:gs>
+          </a:gsLst>
+          <a:path path="circle">
+            <a:fillToRect l="43000" r="43000" b="100000"/>
+          </a:path>
+        </a:gradFill>
+        <a:effectLst/>
+      </p:bgPr>
+    </p:bg>
+    <p:spTree>
+      <p:nvGrpSpPr>
+        <p:cNvPr id="1" name=""/>
+        <p:cNvGrpSpPr/>
+        <p:nvPr/>
+      </p:nvGrpSpPr>
+      <p:grpSpPr>
+        <a:xfrm>
+          <a:off x="0" y="0"/>
+          <a:ext cx="0" cy="0"/>
+          <a:chOff x="0" y="0"/>
+          <a:chExt cx="0" cy="0"/>
+        </a:xfrm>
+      </p:grpSpPr>
+      <p:sp>
+        <p:nvSpPr>
+          <p:cNvPr id="9" name="Rectangle 8">
+            <a:extLst>
+              <a:ext uri="{FF2B5EF4-FFF2-40B4-BE49-F238E27FC236}">
+                <a16:creationId xmlns:a16="http://schemas.microsoft.com/office/drawing/2014/main" id="{130B326A-C054-4820-AFCA-FCB009ABC693}"/>
+              </a:ext>
+              <a:ext uri="{C183D7F6-B498-43B3-948B-1728B52AA6E4}">
+                <adec:decorative xmlns:adec="http://schemas.microsoft.com/office/drawing/2017/decorative" val="1"/>
+              </a:ext>
+            </a:extLst>
+          </p:cNvPr>
+          <p:cNvSpPr>
+            <a:spLocks noGrp="1" noRot="1" noChangeAspect="1" noMove="1" noResize="1" noEditPoints="1" noAdjustHandles="1" noChangeArrowheads="1" noChangeShapeType="1" noTextEdit="1"/>
+          </p:cNvSpPr>
+          <p:nvPr>
+            <p:extLst>
+              <p:ext uri="{386F3935-93C4-4BCD-93E2-E3B085C9AB24}">
+                <p16:designElem xmlns:p16="http://schemas.microsoft.com/office/powerpoint/2015/main" val="1"/>
+              </p:ext>
+            </p:extLst>
+          </p:nvPr>
+        </p:nvSpPr>
+        <p:spPr>
+          <a:xfrm>
+            <a:off x="0" y="3622291"/>
+            <a:ext cx="9144000" cy="2505984"/>
+          </a:xfrm>
+          <a:prstGeom prst="rect">
+            <a:avLst/>
+          </a:prstGeom>
+          <a:gradFill flip="none" rotWithShape="1">
+            <a:gsLst>
+              <a:gs pos="0">
+                <a:schemeClr val="bg2">
+                  <a:alpha val="0"/>
+                </a:schemeClr>
+              </a:gs>
+              <a:gs pos="100000">
+                <a:schemeClr val="bg2">
+                  <a:alpha val="80000"/>
+                </a:schemeClr>
+              </a:gs>
+            </a:gsLst>
+            <a:lin ang="5400000" scaled="0"/>
+            <a:tileRect/>
+          </a:gradFill>
+          <a:ln>
+            <a:noFill/>
+          </a:ln>
+        </p:spPr>
+        <p:style>
+          <a:lnRef idx="2">
+            <a:schemeClr val="accent1">
+              <a:shade val="50000"/>
+            </a:schemeClr>
+          </a:lnRef>
+          <a:fillRef idx="1">
+            <a:schemeClr val="accent1"/>
+          </a:fillRef>
+          <a:effectRef idx="0">
+            <a:schemeClr val="accent1"/>
+          </a:effectRef>
+          <a:fontRef idx="minor">
+            <a:schemeClr val="lt1"/>
+          </a:fontRef>
+        </p:style>
+        <p:txBody>
+          <a:bodyPr/>
+          <a:lstStyle/>
+          <a:p>
+            <a:endParaRPr lang="en-PK"/>
+          </a:p>
+        </p:txBody>
+      </p:sp>
+      <p:pic>
+        <p:nvPicPr>
+          <p:cNvPr id="11" name="Picture 10">
+            <a:extLst>
+              <a:ext uri="{FF2B5EF4-FFF2-40B4-BE49-F238E27FC236}">
+                <a16:creationId xmlns:a16="http://schemas.microsoft.com/office/drawing/2014/main" id="{E265DFC7-1B2A-4A32-9C43-C48EA6FF6140}"/>
+              </a:ext>
+              <a:ext uri="{C183D7F6-B498-43B3-948B-1728B52AA6E4}">
+                <adec:decorative xmlns:adec="http://schemas.microsoft.com/office/drawing/2017/decorative" val="1"/>
+              </a:ext>
+            </a:extLst>
+          </p:cNvPr>
+          <p:cNvPicPr>
+            <a:picLocks noGrp="1" noRot="1" noChangeAspect="1" noMove="1" noResize="1" noEditPoints="1" noAdjustHandles="1" noChangeArrowheads="1" noChangeShapeType="1" noCrop="1"/>
+          </p:cNvPicPr>
+          <p:nvPr>
+            <p:extLst>
+              <p:ext uri="{386F3935-93C4-4BCD-93E2-E3B085C9AB24}">
+                <p16:designElem xmlns:p16="http://schemas.microsoft.com/office/powerpoint/2015/main" val="1"/>
+              </p:ext>
+            </p:extLst>
+          </p:nvPr>
+        </p:nvPicPr>
+        <p:blipFill rotWithShape="1">
+          <a:blip r:embed="rId2">
+            <a:extLst>
+              <a:ext uri="{28A0092B-C50C-407E-A947-70E740481C1C}">
+                <a14:useLocalDpi xmlns:a14="http://schemas.microsoft.com/office/drawing/2010/main" val="0"/>
+              </a:ext>
+            </a:extLst>
+          </a:blip>
+          <a:srcRect t="1538" b="-1538"/>
+          <a:stretch/>
+        </p:blipFill>
+        <p:spPr>
+          <a:xfrm>
+            <a:off x="0" y="6129338"/>
+            <a:ext cx="9144000" cy="742950"/>
+          </a:xfrm>
+          <a:prstGeom prst="rect">
+            <a:avLst/>
+          </a:prstGeom>
+        </p:spPr>
+      </p:pic>
+      <p:cxnSp>
+        <p:nvCxnSpPr>
+          <p:cNvPr id="13" name="Straight Connector 12">
+            <a:extLst>
+              <a:ext uri="{FF2B5EF4-FFF2-40B4-BE49-F238E27FC236}">
+                <a16:creationId xmlns:a16="http://schemas.microsoft.com/office/drawing/2014/main" id="{853B328C-A402-44DE-AABB-9BFBB6617629}"/>
+              </a:ext>
+              <a:ext uri="{C183D7F6-B498-43B3-948B-1728B52AA6E4}">
+                <adec:decorative xmlns:adec="http://schemas.microsoft.com/office/drawing/2017/decorative" val="1"/>
+              </a:ext>
+            </a:extLst>
+          </p:cNvPr>
+          <p:cNvCxnSpPr>
+            <a:cxnSpLocks noGrp="1" noRot="1" noChangeAspect="1" noMove="1" noResize="1" noEditPoints="1" noAdjustHandles="1" noChangeArrowheads="1" noChangeShapeType="1"/>
+          </p:cNvCxnSpPr>
+          <p:nvPr>
+            <p:extLst>
+              <p:ext uri="{386F3935-93C4-4BCD-93E2-E3B085C9AB24}">
+                <p16:designElem xmlns:p16="http://schemas.microsoft.com/office/powerpoint/2015/main" val="1"/>
+              </p:ext>
+            </p:extLst>
+          </p:nvPr>
+        </p:nvCxnSpPr>
+        <p:spPr>
+          <a:xfrm>
+            <a:off x="0" y="6138142"/>
+            <a:ext cx="9144000" cy="0"/>
+          </a:xfrm>
+          <a:prstGeom prst="line">
+            <a:avLst/>
+          </a:prstGeom>
+          <a:ln w="12700">
+            <a:solidFill>
+              <a:srgbClr val="000001">
+                <a:alpha val="20000"/>
+              </a:srgbClr>
+            </a:solidFill>
+          </a:ln>
+        </p:spPr>
+        <p:style>
+          <a:lnRef idx="1">
+            <a:schemeClr val="accent1"/>
+          </a:lnRef>
+          <a:fillRef idx="0">
+            <a:schemeClr val="accent1"/>
+          </a:fillRef>
+          <a:effectRef idx="0">
+            <a:schemeClr val="accent1"/>
+          </a:effectRef>
+          <a:fontRef idx="minor">
+            <a:schemeClr val="tx1"/>
+          </a:fontRef>
+        </p:style>
+      </p:cxnSp>
+      <p:sp useBgFill="1">
+        <p:nvSpPr>
+          <p:cNvPr id="15" name="Rectangle 14">
+            <a:extLst>
+              <a:ext uri="{FF2B5EF4-FFF2-40B4-BE49-F238E27FC236}">
+                <a16:creationId xmlns:a16="http://schemas.microsoft.com/office/drawing/2014/main" id="{1C524C5A-172F-46AC-87F4-34AF7CA9A862}"/>
+              </a:ext>
+              <a:ext uri="{C183D7F6-B498-43B3-948B-1728B52AA6E4}">
+                <adec:decorative xmlns:adec="http://schemas.microsoft.com/office/drawing/2017/decorative" val="1"/>
+              </a:ext>
+            </a:extLst>
+          </p:cNvPr>
+          <p:cNvSpPr>
+            <a:spLocks noGrp="1" noRot="1" noChangeAspect="1" noMove="1" noResize="1" noEditPoints="1" noAdjustHandles="1" noChangeArrowheads="1" noChangeShapeType="1" noTextEdit="1"/>
+          </p:cNvSpPr>
+          <p:nvPr>
+            <p:extLst>
+              <p:ext uri="{386F3935-93C4-4BCD-93E2-E3B085C9AB24}">
+                <p16:designElem xmlns:p16="http://schemas.microsoft.com/office/powerpoint/2015/main" val="1"/>
+              </p:ext>
+            </p:extLst>
+          </p:nvPr>
+        </p:nvSpPr>
+        <p:spPr>
+          <a:xfrm>
+            <a:off x="1" y="0"/>
+            <a:ext cx="9143771" cy="6858000"/>
+          </a:xfrm>
+          <a:prstGeom prst="rect">
+            <a:avLst/>
+          </a:prstGeom>
+          <a:ln>
+            <a:noFill/>
+          </a:ln>
+        </p:spPr>
+        <p:style>
+          <a:lnRef idx="2">
+            <a:schemeClr val="accent1">
+              <a:shade val="50000"/>
+            </a:schemeClr>
+          </a:lnRef>
+          <a:fillRef idx="1">
+            <a:schemeClr val="accent1"/>
+          </a:fillRef>
+          <a:effectRef idx="0">
+            <a:schemeClr val="accent1"/>
+          </a:effectRef>
+          <a:fontRef idx="minor">
+            <a:schemeClr val="lt1"/>
+          </a:fontRef>
+        </p:style>
+        <p:txBody>
+          <a:bodyPr rtlCol="0" anchor="ctr"/>
+          <a:lstStyle/>
+          <a:p>
+            <a:pPr algn="ctr"/>
+            <a:endParaRPr lang="en-US"/>
+          </a:p>
+        </p:txBody>
+      </p:sp>
+      <p:pic>
+        <p:nvPicPr>
+          <p:cNvPr id="5" name="Picture 4" descr="Aerial view of a highway near the ocean">
+            <a:extLst>
+              <a:ext uri="{FF2B5EF4-FFF2-40B4-BE49-F238E27FC236}">
+                <a16:creationId xmlns:a16="http://schemas.microsoft.com/office/drawing/2014/main" id="{D4090580-7CCA-CA52-D480-0C6BE34E038E}"/>
+              </a:ext>
+            </a:extLst>
+          </p:cNvPr>
+          <p:cNvPicPr>
+            <a:picLocks noChangeAspect="1"/>
+          </p:cNvPicPr>
+          <p:nvPr/>
+        </p:nvPicPr>
+        <p:blipFill>
+          <a:blip r:embed="rId3">
+            <a:duotone>
+              <a:schemeClr val="bg2">
+                <a:shade val="45000"/>
+                <a:satMod val="135000"/>
+              </a:schemeClr>
+              <a:prstClr val="white"/>
+            </a:duotone>
+            <a:alphaModFix amt="20000"/>
+          </a:blip>
+          <a:srcRect l="2"/>
+          <a:stretch>
+            <a:fillRect/>
+          </a:stretch>
+        </p:blipFill>
+        <p:spPr>
+          <a:xfrm>
+            <a:off x="228" y="10"/>
+            <a:ext cx="9143772" cy="6857990"/>
+          </a:xfrm>
+          <a:prstGeom prst="rect">
+            <a:avLst/>
+          </a:prstGeom>
+        </p:spPr>
+      </p:pic>
+      <p:sp>
+        <p:nvSpPr>
+          <p:cNvPr id="17" name="Rectangle 16">
+            <a:extLst>
+              <a:ext uri="{FF2B5EF4-FFF2-40B4-BE49-F238E27FC236}">
+                <a16:creationId xmlns:a16="http://schemas.microsoft.com/office/drawing/2014/main" id="{6B533FE8-5556-49BB-95E2-E0680774F6E5}"/>
+              </a:ext>
+              <a:ext uri="{C183D7F6-B498-43B3-948B-1728B52AA6E4}">
+                <adec:decorative xmlns:adec="http://schemas.microsoft.com/office/drawing/2017/decorative" val="1"/>
+              </a:ext>
+            </a:extLst>
+          </p:cNvPr>
+          <p:cNvSpPr>
+            <a:spLocks noGrp="1" noRot="1" noChangeAspect="1" noMove="1" noResize="1" noEditPoints="1" noAdjustHandles="1" noChangeArrowheads="1" noChangeShapeType="1" noTextEdit="1"/>
+          </p:cNvSpPr>
+          <p:nvPr>
+            <p:extLst>
+              <p:ext uri="{386F3935-93C4-4BCD-93E2-E3B085C9AB24}">
+                <p16:designElem xmlns:p16="http://schemas.microsoft.com/office/powerpoint/2015/main" val="1"/>
+              </p:ext>
+            </p:extLst>
+          </p:nvPr>
+        </p:nvSpPr>
+        <p:spPr>
+          <a:xfrm>
+            <a:off x="0" y="3622291"/>
+            <a:ext cx="9144000" cy="2505984"/>
+          </a:xfrm>
+          <a:prstGeom prst="rect">
+            <a:avLst/>
+          </a:prstGeom>
+          <a:gradFill flip="none" rotWithShape="1">
+            <a:gsLst>
+              <a:gs pos="0">
+                <a:schemeClr val="bg2">
+                  <a:alpha val="0"/>
+                </a:schemeClr>
+              </a:gs>
+              <a:gs pos="100000">
+                <a:schemeClr val="bg2">
+                  <a:alpha val="80000"/>
+                </a:schemeClr>
+              </a:gs>
+            </a:gsLst>
+            <a:lin ang="5400000" scaled="0"/>
+            <a:tileRect/>
+          </a:gradFill>
+          <a:ln>
+            <a:noFill/>
+          </a:ln>
+        </p:spPr>
+        <p:style>
+          <a:lnRef idx="2">
+            <a:schemeClr val="accent1">
+              <a:shade val="50000"/>
+            </a:schemeClr>
+          </a:lnRef>
+          <a:fillRef idx="1">
+            <a:schemeClr val="accent1"/>
+          </a:fillRef>
+          <a:effectRef idx="0">
+            <a:schemeClr val="accent1"/>
+          </a:effectRef>
+          <a:fontRef idx="minor">
+            <a:schemeClr val="lt1"/>
+          </a:fontRef>
+        </p:style>
+        <p:txBody>
+          <a:bodyPr rtlCol="0" anchor="ctr"/>
+          <a:lstStyle/>
+          <a:p>
+            <a:pPr lvl="0" algn="ctr"/>
+            <a:endParaRPr lang="en-US"/>
+          </a:p>
+        </p:txBody>
+      </p:sp>
+      <p:sp>
+        <p:nvSpPr>
+          <p:cNvPr id="2" name="Title 1">
+            <a:extLst>
+              <a:ext uri="{FF2B5EF4-FFF2-40B4-BE49-F238E27FC236}">
+                <a16:creationId xmlns:a16="http://schemas.microsoft.com/office/drawing/2014/main" id="{02B1E684-58BC-AF5E-6EA1-35643C024B17}"/>
+              </a:ext>
+            </a:extLst>
+          </p:cNvPr>
+          <p:cNvSpPr>
+            <a:spLocks noGrp="1"/>
+          </p:cNvSpPr>
+          <p:nvPr>
+            <p:ph type="title"/>
+          </p:nvPr>
+        </p:nvSpPr>
+        <p:spPr>
+          <a:xfrm>
+            <a:off x="1330817" y="802298"/>
+            <a:ext cx="6477805" cy="2920713"/>
+          </a:xfrm>
+        </p:spPr>
+        <p:txBody>
+          <a:bodyPr vert="horz" lIns="91440" tIns="45720" rIns="91440" bIns="0" rtlCol="0" anchor="b">
+            <a:normAutofit/>
+          </a:bodyPr>
+          <a:lstStyle/>
+          <a:p>
+            <a:pPr defTabSz="914400"/>
+            <a:r>
+              <a:rPr lang="en-US" sz="6600"/>
+              <a:t>THANK YOU</a:t>
+            </a:r>
+          </a:p>
+        </p:txBody>
+      </p:sp>
+      <p:pic>
+        <p:nvPicPr>
+          <p:cNvPr id="19" name="Picture 18">
+            <a:extLst>
+              <a:ext uri="{FF2B5EF4-FFF2-40B4-BE49-F238E27FC236}">
+                <a16:creationId xmlns:a16="http://schemas.microsoft.com/office/drawing/2014/main" id="{BDDF5D34-B26A-4FE6-A6B2-65D7ED53C47A}"/>
+              </a:ext>
+              <a:ext uri="{C183D7F6-B498-43B3-948B-1728B52AA6E4}">
+                <adec:decorative xmlns:adec="http://schemas.microsoft.com/office/drawing/2017/decorative" val="1"/>
+              </a:ext>
+            </a:extLst>
+          </p:cNvPr>
+          <p:cNvPicPr>
+            <a:picLocks noGrp="1" noRot="1" noChangeAspect="1" noMove="1" noResize="1" noEditPoints="1" noAdjustHandles="1" noChangeArrowheads="1" noChangeShapeType="1" noCrop="1"/>
+          </p:cNvPicPr>
+          <p:nvPr>
+            <p:extLst>
+              <p:ext uri="{386F3935-93C4-4BCD-93E2-E3B085C9AB24}">
+                <p16:designElem xmlns:p16="http://schemas.microsoft.com/office/powerpoint/2015/main" val="1"/>
+              </p:ext>
+            </p:extLst>
+          </p:nvPr>
+        </p:nvPicPr>
+        <p:blipFill rotWithShape="1">
+          <a:blip r:embed="rId2">
+            <a:extLst>
+              <a:ext uri="{28A0092B-C50C-407E-A947-70E740481C1C}">
+                <a14:useLocalDpi xmlns:a14="http://schemas.microsoft.com/office/drawing/2010/main" val="0"/>
+              </a:ext>
+            </a:extLst>
+          </a:blip>
+          <a:srcRect t="1538" b="-1538"/>
+          <a:stretch/>
+        </p:blipFill>
+        <p:spPr>
+          <a:xfrm>
+            <a:off x="0" y="6129338"/>
+            <a:ext cx="9144000" cy="742950"/>
+          </a:xfrm>
+          <a:prstGeom prst="rect">
+            <a:avLst/>
+          </a:prstGeom>
+        </p:spPr>
+      </p:pic>
+      <p:cxnSp>
+        <p:nvCxnSpPr>
+          <p:cNvPr id="21" name="Straight Connector 20">
+            <a:extLst>
+              <a:ext uri="{FF2B5EF4-FFF2-40B4-BE49-F238E27FC236}">
+                <a16:creationId xmlns:a16="http://schemas.microsoft.com/office/drawing/2014/main" id="{51072BFF-678A-44DA-9B17-6C8F14C4C5CB}"/>
+              </a:ext>
+              <a:ext uri="{C183D7F6-B498-43B3-948B-1728B52AA6E4}">
+                <adec:decorative xmlns:adec="http://schemas.microsoft.com/office/drawing/2017/decorative" val="1"/>
+              </a:ext>
+            </a:extLst>
+          </p:cNvPr>
+          <p:cNvCxnSpPr>
+            <a:cxnSpLocks noGrp="1" noRot="1" noChangeAspect="1" noMove="1" noResize="1" noEditPoints="1" noAdjustHandles="1" noChangeArrowheads="1" noChangeShapeType="1"/>
+          </p:cNvCxnSpPr>
+          <p:nvPr>
+            <p:extLst>
+              <p:ext uri="{386F3935-93C4-4BCD-93E2-E3B085C9AB24}">
+                <p16:designElem xmlns:p16="http://schemas.microsoft.com/office/powerpoint/2015/main" val="1"/>
+              </p:ext>
+            </p:extLst>
+          </p:nvPr>
+        </p:nvCxnSpPr>
+        <p:spPr>
+          <a:xfrm>
+            <a:off x="0" y="6138142"/>
+            <a:ext cx="9144000" cy="0"/>
+          </a:xfrm>
+          <a:prstGeom prst="line">
+            <a:avLst/>
+          </a:prstGeom>
+          <a:ln w="12700">
+            <a:solidFill>
+              <a:srgbClr val="000001">
+                <a:alpha val="20000"/>
+              </a:srgbClr>
+            </a:solidFill>
+          </a:ln>
+        </p:spPr>
+        <p:style>
+          <a:lnRef idx="1">
+            <a:schemeClr val="accent1"/>
+          </a:lnRef>
+          <a:fillRef idx="0">
+            <a:schemeClr val="accent1"/>
+          </a:fillRef>
+          <a:effectRef idx="0">
+            <a:schemeClr val="accent1"/>
+          </a:effectRef>
+          <a:fontRef idx="minor">
+            <a:schemeClr val="tx1"/>
+          </a:fontRef>
+        </p:style>
+      </p:cxnSp>
+    </p:spTree>
+    <p:extLst>
+      <p:ext uri="{BB962C8B-B14F-4D97-AF65-F5344CB8AC3E}">
+        <p14:creationId xmlns:p14="http://schemas.microsoft.com/office/powerpoint/2010/main" val="2783772266"/>
+      </p:ext>
+    </p:extLst>
+  </p:cSld>
+  <p:clrMapOvr>
+    <a:masterClrMapping/>
+  </p:clrMapOvr>
+</p:sld>
+</file>
+
 <file path=ppt/theme/theme1.xml><?xml version="1.0" encoding="utf-8"?>
 <a:theme xmlns:a="http://schemas.openxmlformats.org/drawingml/2006/main" name="Gallery">
   <a:themeElements>
